--- a/JapanGameContest2023/新規 Microsoft PowerPoint プレゼンテーション.pptx
+++ b/JapanGameContest2023/新規 Microsoft PowerPoint プレゼンテーション.pptx
@@ -107,6 +107,11 @@
       </a:defRPr>
     </a:lvl9pPr>
   </p:defaultTextStyle>
+  <p:extLst>
+    <p:ext uri="{EFAFB233-063F-42B5-8137-9DF3F51BA10A}">
+      <p15:sldGuideLst xmlns:p15="http://schemas.microsoft.com/office/powerpoint/2012/main"/>
+    </p:ext>
+  </p:extLst>
 </p:presentation>
 </file>
 
@@ -152,10 +157,9 @@
           </a:lstStyle>
           <a:p>
             <a:r>
-              <a:rPr kumimoji="1" lang="ja-JP" altLang="en-US" smtClean="0"/>
+              <a:rPr kumimoji="1" lang="ja-JP" altLang="en-US"/>
               <a:t>マスター タイトルの書式設定</a:t>
             </a:r>
-            <a:endParaRPr kumimoji="1" lang="ja-JP" altLang="en-US"/>
           </a:p>
         </p:txBody>
       </p:sp>
@@ -217,10 +221,9 @@
           </a:lstStyle>
           <a:p>
             <a:r>
-              <a:rPr kumimoji="1" lang="ja-JP" altLang="en-US" smtClean="0"/>
+              <a:rPr kumimoji="1" lang="ja-JP" altLang="en-US"/>
               <a:t>マスター サブタイトルの書式設定</a:t>
             </a:r>
-            <a:endParaRPr kumimoji="1" lang="ja-JP" altLang="en-US"/>
           </a:p>
         </p:txBody>
       </p:sp>
@@ -241,7 +244,7 @@
           <a:p>
             <a:fld id="{C6B3D575-2242-4E39-83F3-B90629F13CE2}" type="datetimeFigureOut">
               <a:rPr kumimoji="1" lang="ja-JP" altLang="en-US" smtClean="0"/>
-              <a:t>2023/5/22</a:t>
+              <a:t>2023/5/23</a:t>
             </a:fld>
             <a:endParaRPr kumimoji="1" lang="ja-JP" altLang="en-US"/>
           </a:p>
@@ -335,10 +338,9 @@
           <a:lstStyle/>
           <a:p>
             <a:r>
-              <a:rPr kumimoji="1" lang="ja-JP" altLang="en-US" smtClean="0"/>
+              <a:rPr kumimoji="1" lang="ja-JP" altLang="en-US"/>
               <a:t>マスター タイトルの書式設定</a:t>
             </a:r>
-            <a:endParaRPr kumimoji="1" lang="ja-JP" altLang="en-US"/>
           </a:p>
         </p:txBody>
       </p:sp>
@@ -359,70 +361,69 @@
           <a:p>
             <a:pPr lvl="0"/>
             <a:r>
-              <a:rPr kumimoji="1" lang="ja-JP" altLang="en-US" smtClean="0"/>
+              <a:rPr kumimoji="1" lang="ja-JP" altLang="en-US"/>
               <a:t>マスター テキストの書式設定</a:t>
             </a:r>
           </a:p>
           <a:p>
             <a:pPr lvl="1"/>
             <a:r>
-              <a:rPr kumimoji="1" lang="ja-JP" altLang="en-US" smtClean="0"/>
+              <a:rPr kumimoji="1" lang="ja-JP" altLang="en-US"/>
               <a:t>第 </a:t>
             </a:r>
             <a:r>
-              <a:rPr kumimoji="1" lang="en-US" altLang="ja-JP" smtClean="0"/>
+              <a:rPr kumimoji="1" lang="en-US" altLang="ja-JP"/>
               <a:t>2 </a:t>
             </a:r>
             <a:r>
-              <a:rPr kumimoji="1" lang="ja-JP" altLang="en-US" smtClean="0"/>
+              <a:rPr kumimoji="1" lang="ja-JP" altLang="en-US"/>
               <a:t>レベル</a:t>
             </a:r>
           </a:p>
           <a:p>
             <a:pPr lvl="2"/>
             <a:r>
-              <a:rPr kumimoji="1" lang="ja-JP" altLang="en-US" smtClean="0"/>
+              <a:rPr kumimoji="1" lang="ja-JP" altLang="en-US"/>
               <a:t>第 </a:t>
             </a:r>
             <a:r>
-              <a:rPr kumimoji="1" lang="en-US" altLang="ja-JP" smtClean="0"/>
+              <a:rPr kumimoji="1" lang="en-US" altLang="ja-JP"/>
               <a:t>3 </a:t>
             </a:r>
             <a:r>
-              <a:rPr kumimoji="1" lang="ja-JP" altLang="en-US" smtClean="0"/>
+              <a:rPr kumimoji="1" lang="ja-JP" altLang="en-US"/>
               <a:t>レベル</a:t>
             </a:r>
           </a:p>
           <a:p>
             <a:pPr lvl="3"/>
             <a:r>
-              <a:rPr kumimoji="1" lang="ja-JP" altLang="en-US" smtClean="0"/>
+              <a:rPr kumimoji="1" lang="ja-JP" altLang="en-US"/>
               <a:t>第 </a:t>
             </a:r>
             <a:r>
-              <a:rPr kumimoji="1" lang="en-US" altLang="ja-JP" smtClean="0"/>
+              <a:rPr kumimoji="1" lang="en-US" altLang="ja-JP"/>
               <a:t>4 </a:t>
             </a:r>
             <a:r>
-              <a:rPr kumimoji="1" lang="ja-JP" altLang="en-US" smtClean="0"/>
+              <a:rPr kumimoji="1" lang="ja-JP" altLang="en-US"/>
               <a:t>レベル</a:t>
             </a:r>
           </a:p>
           <a:p>
             <a:pPr lvl="4"/>
             <a:r>
-              <a:rPr kumimoji="1" lang="ja-JP" altLang="en-US" smtClean="0"/>
+              <a:rPr kumimoji="1" lang="ja-JP" altLang="en-US"/>
               <a:t>第 </a:t>
             </a:r>
             <a:r>
-              <a:rPr kumimoji="1" lang="en-US" altLang="ja-JP" smtClean="0"/>
+              <a:rPr kumimoji="1" lang="en-US" altLang="ja-JP"/>
               <a:t>5 </a:t>
             </a:r>
             <a:r>
-              <a:rPr kumimoji="1" lang="ja-JP" altLang="en-US" smtClean="0"/>
+              <a:rPr kumimoji="1" lang="ja-JP" altLang="en-US"/>
               <a:t>レベル</a:t>
             </a:r>
-            <a:endParaRPr kumimoji="1" lang="ja-JP" altLang="en-US"/>
           </a:p>
         </p:txBody>
       </p:sp>
@@ -443,7 +444,7 @@
           <a:p>
             <a:fld id="{C6B3D575-2242-4E39-83F3-B90629F13CE2}" type="datetimeFigureOut">
               <a:rPr kumimoji="1" lang="ja-JP" altLang="en-US" smtClean="0"/>
-              <a:t>2023/5/22</a:t>
+              <a:t>2023/5/23</a:t>
             </a:fld>
             <a:endParaRPr kumimoji="1" lang="ja-JP" altLang="en-US"/>
           </a:p>
@@ -542,10 +543,9 @@
           <a:lstStyle/>
           <a:p>
             <a:r>
-              <a:rPr kumimoji="1" lang="ja-JP" altLang="en-US" smtClean="0"/>
+              <a:rPr kumimoji="1" lang="ja-JP" altLang="en-US"/>
               <a:t>マスター タイトルの書式設定</a:t>
             </a:r>
-            <a:endParaRPr kumimoji="1" lang="ja-JP" altLang="en-US"/>
           </a:p>
         </p:txBody>
       </p:sp>
@@ -571,70 +571,69 @@
           <a:p>
             <a:pPr lvl="0"/>
             <a:r>
-              <a:rPr kumimoji="1" lang="ja-JP" altLang="en-US" smtClean="0"/>
+              <a:rPr kumimoji="1" lang="ja-JP" altLang="en-US"/>
               <a:t>マスター テキストの書式設定</a:t>
             </a:r>
           </a:p>
           <a:p>
             <a:pPr lvl="1"/>
             <a:r>
-              <a:rPr kumimoji="1" lang="ja-JP" altLang="en-US" smtClean="0"/>
+              <a:rPr kumimoji="1" lang="ja-JP" altLang="en-US"/>
               <a:t>第 </a:t>
             </a:r>
             <a:r>
-              <a:rPr kumimoji="1" lang="en-US" altLang="ja-JP" smtClean="0"/>
+              <a:rPr kumimoji="1" lang="en-US" altLang="ja-JP"/>
               <a:t>2 </a:t>
             </a:r>
             <a:r>
-              <a:rPr kumimoji="1" lang="ja-JP" altLang="en-US" smtClean="0"/>
+              <a:rPr kumimoji="1" lang="ja-JP" altLang="en-US"/>
               <a:t>レベル</a:t>
             </a:r>
           </a:p>
           <a:p>
             <a:pPr lvl="2"/>
             <a:r>
-              <a:rPr kumimoji="1" lang="ja-JP" altLang="en-US" smtClean="0"/>
+              <a:rPr kumimoji="1" lang="ja-JP" altLang="en-US"/>
               <a:t>第 </a:t>
             </a:r>
             <a:r>
-              <a:rPr kumimoji="1" lang="en-US" altLang="ja-JP" smtClean="0"/>
+              <a:rPr kumimoji="1" lang="en-US" altLang="ja-JP"/>
               <a:t>3 </a:t>
             </a:r>
             <a:r>
-              <a:rPr kumimoji="1" lang="ja-JP" altLang="en-US" smtClean="0"/>
+              <a:rPr kumimoji="1" lang="ja-JP" altLang="en-US"/>
               <a:t>レベル</a:t>
             </a:r>
           </a:p>
           <a:p>
             <a:pPr lvl="3"/>
             <a:r>
-              <a:rPr kumimoji="1" lang="ja-JP" altLang="en-US" smtClean="0"/>
+              <a:rPr kumimoji="1" lang="ja-JP" altLang="en-US"/>
               <a:t>第 </a:t>
             </a:r>
             <a:r>
-              <a:rPr kumimoji="1" lang="en-US" altLang="ja-JP" smtClean="0"/>
+              <a:rPr kumimoji="1" lang="en-US" altLang="ja-JP"/>
               <a:t>4 </a:t>
             </a:r>
             <a:r>
-              <a:rPr kumimoji="1" lang="ja-JP" altLang="en-US" smtClean="0"/>
+              <a:rPr kumimoji="1" lang="ja-JP" altLang="en-US"/>
               <a:t>レベル</a:t>
             </a:r>
           </a:p>
           <a:p>
             <a:pPr lvl="4"/>
             <a:r>
-              <a:rPr kumimoji="1" lang="ja-JP" altLang="en-US" smtClean="0"/>
+              <a:rPr kumimoji="1" lang="ja-JP" altLang="en-US"/>
               <a:t>第 </a:t>
             </a:r>
             <a:r>
-              <a:rPr kumimoji="1" lang="en-US" altLang="ja-JP" smtClean="0"/>
+              <a:rPr kumimoji="1" lang="en-US" altLang="ja-JP"/>
               <a:t>5 </a:t>
             </a:r>
             <a:r>
-              <a:rPr kumimoji="1" lang="ja-JP" altLang="en-US" smtClean="0"/>
+              <a:rPr kumimoji="1" lang="ja-JP" altLang="en-US"/>
               <a:t>レベル</a:t>
             </a:r>
-            <a:endParaRPr kumimoji="1" lang="ja-JP" altLang="en-US"/>
           </a:p>
         </p:txBody>
       </p:sp>
@@ -655,7 +654,7 @@
           <a:p>
             <a:fld id="{C6B3D575-2242-4E39-83F3-B90629F13CE2}" type="datetimeFigureOut">
               <a:rPr kumimoji="1" lang="ja-JP" altLang="en-US" smtClean="0"/>
-              <a:t>2023/5/22</a:t>
+              <a:t>2023/5/23</a:t>
             </a:fld>
             <a:endParaRPr kumimoji="1" lang="ja-JP" altLang="en-US"/>
           </a:p>
@@ -749,10 +748,9 @@
           <a:lstStyle/>
           <a:p>
             <a:r>
-              <a:rPr kumimoji="1" lang="ja-JP" altLang="en-US" smtClean="0"/>
+              <a:rPr kumimoji="1" lang="ja-JP" altLang="en-US"/>
               <a:t>マスター タイトルの書式設定</a:t>
             </a:r>
-            <a:endParaRPr kumimoji="1" lang="ja-JP" altLang="en-US"/>
           </a:p>
         </p:txBody>
       </p:sp>
@@ -773,70 +771,69 @@
           <a:p>
             <a:pPr lvl="0"/>
             <a:r>
-              <a:rPr kumimoji="1" lang="ja-JP" altLang="en-US" smtClean="0"/>
+              <a:rPr kumimoji="1" lang="ja-JP" altLang="en-US"/>
               <a:t>マスター テキストの書式設定</a:t>
             </a:r>
           </a:p>
           <a:p>
             <a:pPr lvl="1"/>
             <a:r>
-              <a:rPr kumimoji="1" lang="ja-JP" altLang="en-US" smtClean="0"/>
+              <a:rPr kumimoji="1" lang="ja-JP" altLang="en-US"/>
               <a:t>第 </a:t>
             </a:r>
             <a:r>
-              <a:rPr kumimoji="1" lang="en-US" altLang="ja-JP" smtClean="0"/>
+              <a:rPr kumimoji="1" lang="en-US" altLang="ja-JP"/>
               <a:t>2 </a:t>
             </a:r>
             <a:r>
-              <a:rPr kumimoji="1" lang="ja-JP" altLang="en-US" smtClean="0"/>
+              <a:rPr kumimoji="1" lang="ja-JP" altLang="en-US"/>
               <a:t>レベル</a:t>
             </a:r>
           </a:p>
           <a:p>
             <a:pPr lvl="2"/>
             <a:r>
-              <a:rPr kumimoji="1" lang="ja-JP" altLang="en-US" smtClean="0"/>
+              <a:rPr kumimoji="1" lang="ja-JP" altLang="en-US"/>
               <a:t>第 </a:t>
             </a:r>
             <a:r>
-              <a:rPr kumimoji="1" lang="en-US" altLang="ja-JP" smtClean="0"/>
+              <a:rPr kumimoji="1" lang="en-US" altLang="ja-JP"/>
               <a:t>3 </a:t>
             </a:r>
             <a:r>
-              <a:rPr kumimoji="1" lang="ja-JP" altLang="en-US" smtClean="0"/>
+              <a:rPr kumimoji="1" lang="ja-JP" altLang="en-US"/>
               <a:t>レベル</a:t>
             </a:r>
           </a:p>
           <a:p>
             <a:pPr lvl="3"/>
             <a:r>
-              <a:rPr kumimoji="1" lang="ja-JP" altLang="en-US" smtClean="0"/>
+              <a:rPr kumimoji="1" lang="ja-JP" altLang="en-US"/>
               <a:t>第 </a:t>
             </a:r>
             <a:r>
-              <a:rPr kumimoji="1" lang="en-US" altLang="ja-JP" smtClean="0"/>
+              <a:rPr kumimoji="1" lang="en-US" altLang="ja-JP"/>
               <a:t>4 </a:t>
             </a:r>
             <a:r>
-              <a:rPr kumimoji="1" lang="ja-JP" altLang="en-US" smtClean="0"/>
+              <a:rPr kumimoji="1" lang="ja-JP" altLang="en-US"/>
               <a:t>レベル</a:t>
             </a:r>
           </a:p>
           <a:p>
             <a:pPr lvl="4"/>
             <a:r>
-              <a:rPr kumimoji="1" lang="ja-JP" altLang="en-US" smtClean="0"/>
+              <a:rPr kumimoji="1" lang="ja-JP" altLang="en-US"/>
               <a:t>第 </a:t>
             </a:r>
             <a:r>
-              <a:rPr kumimoji="1" lang="en-US" altLang="ja-JP" smtClean="0"/>
+              <a:rPr kumimoji="1" lang="en-US" altLang="ja-JP"/>
               <a:t>5 </a:t>
             </a:r>
             <a:r>
-              <a:rPr kumimoji="1" lang="ja-JP" altLang="en-US" smtClean="0"/>
+              <a:rPr kumimoji="1" lang="ja-JP" altLang="en-US"/>
               <a:t>レベル</a:t>
             </a:r>
-            <a:endParaRPr kumimoji="1" lang="ja-JP" altLang="en-US"/>
           </a:p>
         </p:txBody>
       </p:sp>
@@ -857,7 +854,7 @@
           <a:p>
             <a:fld id="{C6B3D575-2242-4E39-83F3-B90629F13CE2}" type="datetimeFigureOut">
               <a:rPr kumimoji="1" lang="ja-JP" altLang="en-US" smtClean="0"/>
-              <a:t>2023/5/22</a:t>
+              <a:t>2023/5/23</a:t>
             </a:fld>
             <a:endParaRPr kumimoji="1" lang="ja-JP" altLang="en-US"/>
           </a:p>
@@ -960,10 +957,9 @@
           </a:lstStyle>
           <a:p>
             <a:r>
-              <a:rPr kumimoji="1" lang="ja-JP" altLang="en-US" smtClean="0"/>
+              <a:rPr kumimoji="1" lang="ja-JP" altLang="en-US"/>
               <a:t>マスター タイトルの書式設定</a:t>
             </a:r>
-            <a:endParaRPr kumimoji="1" lang="ja-JP" altLang="en-US"/>
           </a:p>
         </p:txBody>
       </p:sp>
@@ -1080,7 +1076,7 @@
           <a:p>
             <a:pPr lvl="0"/>
             <a:r>
-              <a:rPr kumimoji="1" lang="ja-JP" altLang="en-US" smtClean="0"/>
+              <a:rPr kumimoji="1" lang="ja-JP" altLang="en-US"/>
               <a:t>マスター テキストの書式設定</a:t>
             </a:r>
           </a:p>
@@ -1103,7 +1099,7 @@
           <a:p>
             <a:fld id="{C6B3D575-2242-4E39-83F3-B90629F13CE2}" type="datetimeFigureOut">
               <a:rPr kumimoji="1" lang="ja-JP" altLang="en-US" smtClean="0"/>
-              <a:t>2023/5/22</a:t>
+              <a:t>2023/5/23</a:t>
             </a:fld>
             <a:endParaRPr kumimoji="1" lang="ja-JP" altLang="en-US"/>
           </a:p>
@@ -1197,10 +1193,9 @@
           <a:lstStyle/>
           <a:p>
             <a:r>
-              <a:rPr kumimoji="1" lang="ja-JP" altLang="en-US" smtClean="0"/>
+              <a:rPr kumimoji="1" lang="ja-JP" altLang="en-US"/>
               <a:t>マスター タイトルの書式設定</a:t>
             </a:r>
-            <a:endParaRPr kumimoji="1" lang="ja-JP" altLang="en-US"/>
           </a:p>
         </p:txBody>
       </p:sp>
@@ -1226,70 +1221,69 @@
           <a:p>
             <a:pPr lvl="0"/>
             <a:r>
-              <a:rPr kumimoji="1" lang="ja-JP" altLang="en-US" smtClean="0"/>
+              <a:rPr kumimoji="1" lang="ja-JP" altLang="en-US"/>
               <a:t>マスター テキストの書式設定</a:t>
             </a:r>
           </a:p>
           <a:p>
             <a:pPr lvl="1"/>
             <a:r>
-              <a:rPr kumimoji="1" lang="ja-JP" altLang="en-US" smtClean="0"/>
+              <a:rPr kumimoji="1" lang="ja-JP" altLang="en-US"/>
               <a:t>第 </a:t>
             </a:r>
             <a:r>
-              <a:rPr kumimoji="1" lang="en-US" altLang="ja-JP" smtClean="0"/>
+              <a:rPr kumimoji="1" lang="en-US" altLang="ja-JP"/>
               <a:t>2 </a:t>
             </a:r>
             <a:r>
-              <a:rPr kumimoji="1" lang="ja-JP" altLang="en-US" smtClean="0"/>
+              <a:rPr kumimoji="1" lang="ja-JP" altLang="en-US"/>
               <a:t>レベル</a:t>
             </a:r>
           </a:p>
           <a:p>
             <a:pPr lvl="2"/>
             <a:r>
-              <a:rPr kumimoji="1" lang="ja-JP" altLang="en-US" smtClean="0"/>
+              <a:rPr kumimoji="1" lang="ja-JP" altLang="en-US"/>
               <a:t>第 </a:t>
             </a:r>
             <a:r>
-              <a:rPr kumimoji="1" lang="en-US" altLang="ja-JP" smtClean="0"/>
+              <a:rPr kumimoji="1" lang="en-US" altLang="ja-JP"/>
               <a:t>3 </a:t>
             </a:r>
             <a:r>
-              <a:rPr kumimoji="1" lang="ja-JP" altLang="en-US" smtClean="0"/>
+              <a:rPr kumimoji="1" lang="ja-JP" altLang="en-US"/>
               <a:t>レベル</a:t>
             </a:r>
           </a:p>
           <a:p>
             <a:pPr lvl="3"/>
             <a:r>
-              <a:rPr kumimoji="1" lang="ja-JP" altLang="en-US" smtClean="0"/>
+              <a:rPr kumimoji="1" lang="ja-JP" altLang="en-US"/>
               <a:t>第 </a:t>
             </a:r>
             <a:r>
-              <a:rPr kumimoji="1" lang="en-US" altLang="ja-JP" smtClean="0"/>
+              <a:rPr kumimoji="1" lang="en-US" altLang="ja-JP"/>
               <a:t>4 </a:t>
             </a:r>
             <a:r>
-              <a:rPr kumimoji="1" lang="ja-JP" altLang="en-US" smtClean="0"/>
+              <a:rPr kumimoji="1" lang="ja-JP" altLang="en-US"/>
               <a:t>レベル</a:t>
             </a:r>
           </a:p>
           <a:p>
             <a:pPr lvl="4"/>
             <a:r>
-              <a:rPr kumimoji="1" lang="ja-JP" altLang="en-US" smtClean="0"/>
+              <a:rPr kumimoji="1" lang="ja-JP" altLang="en-US"/>
               <a:t>第 </a:t>
             </a:r>
             <a:r>
-              <a:rPr kumimoji="1" lang="en-US" altLang="ja-JP" smtClean="0"/>
+              <a:rPr kumimoji="1" lang="en-US" altLang="ja-JP"/>
               <a:t>5 </a:t>
             </a:r>
             <a:r>
-              <a:rPr kumimoji="1" lang="ja-JP" altLang="en-US" smtClean="0"/>
+              <a:rPr kumimoji="1" lang="ja-JP" altLang="en-US"/>
               <a:t>レベル</a:t>
             </a:r>
-            <a:endParaRPr kumimoji="1" lang="ja-JP" altLang="en-US"/>
           </a:p>
         </p:txBody>
       </p:sp>
@@ -1315,70 +1309,69 @@
           <a:p>
             <a:pPr lvl="0"/>
             <a:r>
-              <a:rPr kumimoji="1" lang="ja-JP" altLang="en-US" smtClean="0"/>
+              <a:rPr kumimoji="1" lang="ja-JP" altLang="en-US"/>
               <a:t>マスター テキストの書式設定</a:t>
             </a:r>
           </a:p>
           <a:p>
             <a:pPr lvl="1"/>
             <a:r>
-              <a:rPr kumimoji="1" lang="ja-JP" altLang="en-US" smtClean="0"/>
+              <a:rPr kumimoji="1" lang="ja-JP" altLang="en-US"/>
               <a:t>第 </a:t>
             </a:r>
             <a:r>
-              <a:rPr kumimoji="1" lang="en-US" altLang="ja-JP" smtClean="0"/>
+              <a:rPr kumimoji="1" lang="en-US" altLang="ja-JP"/>
               <a:t>2 </a:t>
             </a:r>
             <a:r>
-              <a:rPr kumimoji="1" lang="ja-JP" altLang="en-US" smtClean="0"/>
+              <a:rPr kumimoji="1" lang="ja-JP" altLang="en-US"/>
               <a:t>レベル</a:t>
             </a:r>
           </a:p>
           <a:p>
             <a:pPr lvl="2"/>
             <a:r>
-              <a:rPr kumimoji="1" lang="ja-JP" altLang="en-US" smtClean="0"/>
+              <a:rPr kumimoji="1" lang="ja-JP" altLang="en-US"/>
               <a:t>第 </a:t>
             </a:r>
             <a:r>
-              <a:rPr kumimoji="1" lang="en-US" altLang="ja-JP" smtClean="0"/>
+              <a:rPr kumimoji="1" lang="en-US" altLang="ja-JP"/>
               <a:t>3 </a:t>
             </a:r>
             <a:r>
-              <a:rPr kumimoji="1" lang="ja-JP" altLang="en-US" smtClean="0"/>
+              <a:rPr kumimoji="1" lang="ja-JP" altLang="en-US"/>
               <a:t>レベル</a:t>
             </a:r>
           </a:p>
           <a:p>
             <a:pPr lvl="3"/>
             <a:r>
-              <a:rPr kumimoji="1" lang="ja-JP" altLang="en-US" smtClean="0"/>
+              <a:rPr kumimoji="1" lang="ja-JP" altLang="en-US"/>
               <a:t>第 </a:t>
             </a:r>
             <a:r>
-              <a:rPr kumimoji="1" lang="en-US" altLang="ja-JP" smtClean="0"/>
+              <a:rPr kumimoji="1" lang="en-US" altLang="ja-JP"/>
               <a:t>4 </a:t>
             </a:r>
             <a:r>
-              <a:rPr kumimoji="1" lang="ja-JP" altLang="en-US" smtClean="0"/>
+              <a:rPr kumimoji="1" lang="ja-JP" altLang="en-US"/>
               <a:t>レベル</a:t>
             </a:r>
           </a:p>
           <a:p>
             <a:pPr lvl="4"/>
             <a:r>
-              <a:rPr kumimoji="1" lang="ja-JP" altLang="en-US" smtClean="0"/>
+              <a:rPr kumimoji="1" lang="ja-JP" altLang="en-US"/>
               <a:t>第 </a:t>
             </a:r>
             <a:r>
-              <a:rPr kumimoji="1" lang="en-US" altLang="ja-JP" smtClean="0"/>
+              <a:rPr kumimoji="1" lang="en-US" altLang="ja-JP"/>
               <a:t>5 </a:t>
             </a:r>
             <a:r>
-              <a:rPr kumimoji="1" lang="ja-JP" altLang="en-US" smtClean="0"/>
+              <a:rPr kumimoji="1" lang="ja-JP" altLang="en-US"/>
               <a:t>レベル</a:t>
             </a:r>
-            <a:endParaRPr kumimoji="1" lang="ja-JP" altLang="en-US"/>
           </a:p>
         </p:txBody>
       </p:sp>
@@ -1399,7 +1392,7 @@
           <a:p>
             <a:fld id="{C6B3D575-2242-4E39-83F3-B90629F13CE2}" type="datetimeFigureOut">
               <a:rPr kumimoji="1" lang="ja-JP" altLang="en-US" smtClean="0"/>
-              <a:t>2023/5/22</a:t>
+              <a:t>2023/5/23</a:t>
             </a:fld>
             <a:endParaRPr kumimoji="1" lang="ja-JP" altLang="en-US"/>
           </a:p>
@@ -1498,10 +1491,9 @@
           <a:lstStyle/>
           <a:p>
             <a:r>
-              <a:rPr kumimoji="1" lang="ja-JP" altLang="en-US" smtClean="0"/>
+              <a:rPr kumimoji="1" lang="ja-JP" altLang="en-US"/>
               <a:t>マスター タイトルの書式設定</a:t>
             </a:r>
-            <a:endParaRPr kumimoji="1" lang="ja-JP" altLang="en-US"/>
           </a:p>
         </p:txBody>
       </p:sp>
@@ -1564,7 +1556,7 @@
           <a:p>
             <a:pPr lvl="0"/>
             <a:r>
-              <a:rPr kumimoji="1" lang="ja-JP" altLang="en-US" smtClean="0"/>
+              <a:rPr kumimoji="1" lang="ja-JP" altLang="en-US"/>
               <a:t>マスター テキストの書式設定</a:t>
             </a:r>
           </a:p>
@@ -1592,70 +1584,69 @@
           <a:p>
             <a:pPr lvl="0"/>
             <a:r>
-              <a:rPr kumimoji="1" lang="ja-JP" altLang="en-US" smtClean="0"/>
+              <a:rPr kumimoji="1" lang="ja-JP" altLang="en-US"/>
               <a:t>マスター テキストの書式設定</a:t>
             </a:r>
           </a:p>
           <a:p>
             <a:pPr lvl="1"/>
             <a:r>
-              <a:rPr kumimoji="1" lang="ja-JP" altLang="en-US" smtClean="0"/>
+              <a:rPr kumimoji="1" lang="ja-JP" altLang="en-US"/>
               <a:t>第 </a:t>
             </a:r>
             <a:r>
-              <a:rPr kumimoji="1" lang="en-US" altLang="ja-JP" smtClean="0"/>
+              <a:rPr kumimoji="1" lang="en-US" altLang="ja-JP"/>
               <a:t>2 </a:t>
             </a:r>
             <a:r>
-              <a:rPr kumimoji="1" lang="ja-JP" altLang="en-US" smtClean="0"/>
+              <a:rPr kumimoji="1" lang="ja-JP" altLang="en-US"/>
               <a:t>レベル</a:t>
             </a:r>
           </a:p>
           <a:p>
             <a:pPr lvl="2"/>
             <a:r>
-              <a:rPr kumimoji="1" lang="ja-JP" altLang="en-US" smtClean="0"/>
+              <a:rPr kumimoji="1" lang="ja-JP" altLang="en-US"/>
               <a:t>第 </a:t>
             </a:r>
             <a:r>
-              <a:rPr kumimoji="1" lang="en-US" altLang="ja-JP" smtClean="0"/>
+              <a:rPr kumimoji="1" lang="en-US" altLang="ja-JP"/>
               <a:t>3 </a:t>
             </a:r>
             <a:r>
-              <a:rPr kumimoji="1" lang="ja-JP" altLang="en-US" smtClean="0"/>
+              <a:rPr kumimoji="1" lang="ja-JP" altLang="en-US"/>
               <a:t>レベル</a:t>
             </a:r>
           </a:p>
           <a:p>
             <a:pPr lvl="3"/>
             <a:r>
-              <a:rPr kumimoji="1" lang="ja-JP" altLang="en-US" smtClean="0"/>
+              <a:rPr kumimoji="1" lang="ja-JP" altLang="en-US"/>
               <a:t>第 </a:t>
             </a:r>
             <a:r>
-              <a:rPr kumimoji="1" lang="en-US" altLang="ja-JP" smtClean="0"/>
+              <a:rPr kumimoji="1" lang="en-US" altLang="ja-JP"/>
               <a:t>4 </a:t>
             </a:r>
             <a:r>
-              <a:rPr kumimoji="1" lang="ja-JP" altLang="en-US" smtClean="0"/>
+              <a:rPr kumimoji="1" lang="ja-JP" altLang="en-US"/>
               <a:t>レベル</a:t>
             </a:r>
           </a:p>
           <a:p>
             <a:pPr lvl="4"/>
             <a:r>
-              <a:rPr kumimoji="1" lang="ja-JP" altLang="en-US" smtClean="0"/>
+              <a:rPr kumimoji="1" lang="ja-JP" altLang="en-US"/>
               <a:t>第 </a:t>
             </a:r>
             <a:r>
-              <a:rPr kumimoji="1" lang="en-US" altLang="ja-JP" smtClean="0"/>
+              <a:rPr kumimoji="1" lang="en-US" altLang="ja-JP"/>
               <a:t>5 </a:t>
             </a:r>
             <a:r>
-              <a:rPr kumimoji="1" lang="ja-JP" altLang="en-US" smtClean="0"/>
+              <a:rPr kumimoji="1" lang="ja-JP" altLang="en-US"/>
               <a:t>レベル</a:t>
             </a:r>
-            <a:endParaRPr kumimoji="1" lang="ja-JP" altLang="en-US"/>
           </a:p>
         </p:txBody>
       </p:sp>
@@ -1718,7 +1709,7 @@
           <a:p>
             <a:pPr lvl="0"/>
             <a:r>
-              <a:rPr kumimoji="1" lang="ja-JP" altLang="en-US" smtClean="0"/>
+              <a:rPr kumimoji="1" lang="ja-JP" altLang="en-US"/>
               <a:t>マスター テキストの書式設定</a:t>
             </a:r>
           </a:p>
@@ -1746,70 +1737,69 @@
           <a:p>
             <a:pPr lvl="0"/>
             <a:r>
-              <a:rPr kumimoji="1" lang="ja-JP" altLang="en-US" smtClean="0"/>
+              <a:rPr kumimoji="1" lang="ja-JP" altLang="en-US"/>
               <a:t>マスター テキストの書式設定</a:t>
             </a:r>
           </a:p>
           <a:p>
             <a:pPr lvl="1"/>
             <a:r>
-              <a:rPr kumimoji="1" lang="ja-JP" altLang="en-US" smtClean="0"/>
+              <a:rPr kumimoji="1" lang="ja-JP" altLang="en-US"/>
               <a:t>第 </a:t>
             </a:r>
             <a:r>
-              <a:rPr kumimoji="1" lang="en-US" altLang="ja-JP" smtClean="0"/>
+              <a:rPr kumimoji="1" lang="en-US" altLang="ja-JP"/>
               <a:t>2 </a:t>
             </a:r>
             <a:r>
-              <a:rPr kumimoji="1" lang="ja-JP" altLang="en-US" smtClean="0"/>
+              <a:rPr kumimoji="1" lang="ja-JP" altLang="en-US"/>
               <a:t>レベル</a:t>
             </a:r>
           </a:p>
           <a:p>
             <a:pPr lvl="2"/>
             <a:r>
-              <a:rPr kumimoji="1" lang="ja-JP" altLang="en-US" smtClean="0"/>
+              <a:rPr kumimoji="1" lang="ja-JP" altLang="en-US"/>
               <a:t>第 </a:t>
             </a:r>
             <a:r>
-              <a:rPr kumimoji="1" lang="en-US" altLang="ja-JP" smtClean="0"/>
+              <a:rPr kumimoji="1" lang="en-US" altLang="ja-JP"/>
               <a:t>3 </a:t>
             </a:r>
             <a:r>
-              <a:rPr kumimoji="1" lang="ja-JP" altLang="en-US" smtClean="0"/>
+              <a:rPr kumimoji="1" lang="ja-JP" altLang="en-US"/>
               <a:t>レベル</a:t>
             </a:r>
           </a:p>
           <a:p>
             <a:pPr lvl="3"/>
             <a:r>
-              <a:rPr kumimoji="1" lang="ja-JP" altLang="en-US" smtClean="0"/>
+              <a:rPr kumimoji="1" lang="ja-JP" altLang="en-US"/>
               <a:t>第 </a:t>
             </a:r>
             <a:r>
-              <a:rPr kumimoji="1" lang="en-US" altLang="ja-JP" smtClean="0"/>
+              <a:rPr kumimoji="1" lang="en-US" altLang="ja-JP"/>
               <a:t>4 </a:t>
             </a:r>
             <a:r>
-              <a:rPr kumimoji="1" lang="ja-JP" altLang="en-US" smtClean="0"/>
+              <a:rPr kumimoji="1" lang="ja-JP" altLang="en-US"/>
               <a:t>レベル</a:t>
             </a:r>
           </a:p>
           <a:p>
             <a:pPr lvl="4"/>
             <a:r>
-              <a:rPr kumimoji="1" lang="ja-JP" altLang="en-US" smtClean="0"/>
+              <a:rPr kumimoji="1" lang="ja-JP" altLang="en-US"/>
               <a:t>第 </a:t>
             </a:r>
             <a:r>
-              <a:rPr kumimoji="1" lang="en-US" altLang="ja-JP" smtClean="0"/>
+              <a:rPr kumimoji="1" lang="en-US" altLang="ja-JP"/>
               <a:t>5 </a:t>
             </a:r>
             <a:r>
-              <a:rPr kumimoji="1" lang="ja-JP" altLang="en-US" smtClean="0"/>
+              <a:rPr kumimoji="1" lang="ja-JP" altLang="en-US"/>
               <a:t>レベル</a:t>
             </a:r>
-            <a:endParaRPr kumimoji="1" lang="ja-JP" altLang="en-US"/>
           </a:p>
         </p:txBody>
       </p:sp>
@@ -1830,7 +1820,7 @@
           <a:p>
             <a:fld id="{C6B3D575-2242-4E39-83F3-B90629F13CE2}" type="datetimeFigureOut">
               <a:rPr kumimoji="1" lang="ja-JP" altLang="en-US" smtClean="0"/>
-              <a:t>2023/5/22</a:t>
+              <a:t>2023/5/23</a:t>
             </a:fld>
             <a:endParaRPr kumimoji="1" lang="ja-JP" altLang="en-US"/>
           </a:p>
@@ -1924,10 +1914,9 @@
           <a:lstStyle/>
           <a:p>
             <a:r>
-              <a:rPr kumimoji="1" lang="ja-JP" altLang="en-US" smtClean="0"/>
+              <a:rPr kumimoji="1" lang="ja-JP" altLang="en-US"/>
               <a:t>マスター タイトルの書式設定</a:t>
             </a:r>
-            <a:endParaRPr kumimoji="1" lang="ja-JP" altLang="en-US"/>
           </a:p>
         </p:txBody>
       </p:sp>
@@ -1948,7 +1937,7 @@
           <a:p>
             <a:fld id="{C6B3D575-2242-4E39-83F3-B90629F13CE2}" type="datetimeFigureOut">
               <a:rPr kumimoji="1" lang="ja-JP" altLang="en-US" smtClean="0"/>
-              <a:t>2023/5/22</a:t>
+              <a:t>2023/5/23</a:t>
             </a:fld>
             <a:endParaRPr kumimoji="1" lang="ja-JP" altLang="en-US"/>
           </a:p>
@@ -2043,7 +2032,7 @@
           <a:p>
             <a:fld id="{C6B3D575-2242-4E39-83F3-B90629F13CE2}" type="datetimeFigureOut">
               <a:rPr kumimoji="1" lang="ja-JP" altLang="en-US" smtClean="0"/>
-              <a:t>2023/5/22</a:t>
+              <a:t>2023/5/23</a:t>
             </a:fld>
             <a:endParaRPr kumimoji="1" lang="ja-JP" altLang="en-US"/>
           </a:p>
@@ -2146,10 +2135,9 @@
           </a:lstStyle>
           <a:p>
             <a:r>
-              <a:rPr kumimoji="1" lang="ja-JP" altLang="en-US" smtClean="0"/>
+              <a:rPr kumimoji="1" lang="ja-JP" altLang="en-US"/>
               <a:t>マスター タイトルの書式設定</a:t>
             </a:r>
-            <a:endParaRPr kumimoji="1" lang="ja-JP" altLang="en-US"/>
           </a:p>
         </p:txBody>
       </p:sp>
@@ -2203,70 +2191,69 @@
           <a:p>
             <a:pPr lvl="0"/>
             <a:r>
-              <a:rPr kumimoji="1" lang="ja-JP" altLang="en-US" smtClean="0"/>
+              <a:rPr kumimoji="1" lang="ja-JP" altLang="en-US"/>
               <a:t>マスター テキストの書式設定</a:t>
             </a:r>
           </a:p>
           <a:p>
             <a:pPr lvl="1"/>
             <a:r>
-              <a:rPr kumimoji="1" lang="ja-JP" altLang="en-US" smtClean="0"/>
+              <a:rPr kumimoji="1" lang="ja-JP" altLang="en-US"/>
               <a:t>第 </a:t>
             </a:r>
             <a:r>
-              <a:rPr kumimoji="1" lang="en-US" altLang="ja-JP" smtClean="0"/>
+              <a:rPr kumimoji="1" lang="en-US" altLang="ja-JP"/>
               <a:t>2 </a:t>
             </a:r>
             <a:r>
-              <a:rPr kumimoji="1" lang="ja-JP" altLang="en-US" smtClean="0"/>
+              <a:rPr kumimoji="1" lang="ja-JP" altLang="en-US"/>
               <a:t>レベル</a:t>
             </a:r>
           </a:p>
           <a:p>
             <a:pPr lvl="2"/>
             <a:r>
-              <a:rPr kumimoji="1" lang="ja-JP" altLang="en-US" smtClean="0"/>
+              <a:rPr kumimoji="1" lang="ja-JP" altLang="en-US"/>
               <a:t>第 </a:t>
             </a:r>
             <a:r>
-              <a:rPr kumimoji="1" lang="en-US" altLang="ja-JP" smtClean="0"/>
+              <a:rPr kumimoji="1" lang="en-US" altLang="ja-JP"/>
               <a:t>3 </a:t>
             </a:r>
             <a:r>
-              <a:rPr kumimoji="1" lang="ja-JP" altLang="en-US" smtClean="0"/>
+              <a:rPr kumimoji="1" lang="ja-JP" altLang="en-US"/>
               <a:t>レベル</a:t>
             </a:r>
           </a:p>
           <a:p>
             <a:pPr lvl="3"/>
             <a:r>
-              <a:rPr kumimoji="1" lang="ja-JP" altLang="en-US" smtClean="0"/>
+              <a:rPr kumimoji="1" lang="ja-JP" altLang="en-US"/>
               <a:t>第 </a:t>
             </a:r>
             <a:r>
-              <a:rPr kumimoji="1" lang="en-US" altLang="ja-JP" smtClean="0"/>
+              <a:rPr kumimoji="1" lang="en-US" altLang="ja-JP"/>
               <a:t>4 </a:t>
             </a:r>
             <a:r>
-              <a:rPr kumimoji="1" lang="ja-JP" altLang="en-US" smtClean="0"/>
+              <a:rPr kumimoji="1" lang="ja-JP" altLang="en-US"/>
               <a:t>レベル</a:t>
             </a:r>
           </a:p>
           <a:p>
             <a:pPr lvl="4"/>
             <a:r>
-              <a:rPr kumimoji="1" lang="ja-JP" altLang="en-US" smtClean="0"/>
+              <a:rPr kumimoji="1" lang="ja-JP" altLang="en-US"/>
               <a:t>第 </a:t>
             </a:r>
             <a:r>
-              <a:rPr kumimoji="1" lang="en-US" altLang="ja-JP" smtClean="0"/>
+              <a:rPr kumimoji="1" lang="en-US" altLang="ja-JP"/>
               <a:t>5 </a:t>
             </a:r>
             <a:r>
-              <a:rPr kumimoji="1" lang="ja-JP" altLang="en-US" smtClean="0"/>
+              <a:rPr kumimoji="1" lang="ja-JP" altLang="en-US"/>
               <a:t>レベル</a:t>
             </a:r>
-            <a:endParaRPr kumimoji="1" lang="ja-JP" altLang="en-US"/>
           </a:p>
         </p:txBody>
       </p:sp>
@@ -2329,7 +2316,7 @@
           <a:p>
             <a:pPr lvl="0"/>
             <a:r>
-              <a:rPr kumimoji="1" lang="ja-JP" altLang="en-US" smtClean="0"/>
+              <a:rPr kumimoji="1" lang="ja-JP" altLang="en-US"/>
               <a:t>マスター テキストの書式設定</a:t>
             </a:r>
           </a:p>
@@ -2352,7 +2339,7 @@
           <a:p>
             <a:fld id="{C6B3D575-2242-4E39-83F3-B90629F13CE2}" type="datetimeFigureOut">
               <a:rPr kumimoji="1" lang="ja-JP" altLang="en-US" smtClean="0"/>
-              <a:t>2023/5/22</a:t>
+              <a:t>2023/5/23</a:t>
             </a:fld>
             <a:endParaRPr kumimoji="1" lang="ja-JP" altLang="en-US"/>
           </a:p>
@@ -2455,10 +2442,9 @@
           </a:lstStyle>
           <a:p>
             <a:r>
-              <a:rPr kumimoji="1" lang="ja-JP" altLang="en-US" smtClean="0"/>
+              <a:rPr kumimoji="1" lang="ja-JP" altLang="en-US"/>
               <a:t>マスター タイトルの書式設定</a:t>
             </a:r>
-            <a:endParaRPr kumimoji="1" lang="ja-JP" altLang="en-US"/>
           </a:p>
         </p:txBody>
       </p:sp>
@@ -2582,7 +2568,7 @@
           <a:p>
             <a:pPr lvl="0"/>
             <a:r>
-              <a:rPr kumimoji="1" lang="ja-JP" altLang="en-US" smtClean="0"/>
+              <a:rPr kumimoji="1" lang="ja-JP" altLang="en-US"/>
               <a:t>マスター テキストの書式設定</a:t>
             </a:r>
           </a:p>
@@ -2605,7 +2591,7 @@
           <a:p>
             <a:fld id="{C6B3D575-2242-4E39-83F3-B90629F13CE2}" type="datetimeFigureOut">
               <a:rPr kumimoji="1" lang="ja-JP" altLang="en-US" smtClean="0"/>
-              <a:t>2023/5/22</a:t>
+              <a:t>2023/5/23</a:t>
             </a:fld>
             <a:endParaRPr kumimoji="1" lang="ja-JP" altLang="en-US"/>
           </a:p>
@@ -2714,10 +2700,9 @@
           <a:lstStyle/>
           <a:p>
             <a:r>
-              <a:rPr kumimoji="1" lang="ja-JP" altLang="en-US" smtClean="0"/>
+              <a:rPr kumimoji="1" lang="ja-JP" altLang="en-US"/>
               <a:t>マスター タイトルの書式設定</a:t>
             </a:r>
-            <a:endParaRPr kumimoji="1" lang="ja-JP" altLang="en-US"/>
           </a:p>
         </p:txBody>
       </p:sp>
@@ -2748,70 +2733,69 @@
           <a:p>
             <a:pPr lvl="0"/>
             <a:r>
-              <a:rPr kumimoji="1" lang="ja-JP" altLang="en-US" smtClean="0"/>
+              <a:rPr kumimoji="1" lang="ja-JP" altLang="en-US"/>
               <a:t>マスター テキストの書式設定</a:t>
             </a:r>
           </a:p>
           <a:p>
             <a:pPr lvl="1"/>
             <a:r>
-              <a:rPr kumimoji="1" lang="ja-JP" altLang="en-US" smtClean="0"/>
+              <a:rPr kumimoji="1" lang="ja-JP" altLang="en-US"/>
               <a:t>第 </a:t>
             </a:r>
             <a:r>
-              <a:rPr kumimoji="1" lang="en-US" altLang="ja-JP" smtClean="0"/>
+              <a:rPr kumimoji="1" lang="en-US" altLang="ja-JP"/>
               <a:t>2 </a:t>
             </a:r>
             <a:r>
-              <a:rPr kumimoji="1" lang="ja-JP" altLang="en-US" smtClean="0"/>
+              <a:rPr kumimoji="1" lang="ja-JP" altLang="en-US"/>
               <a:t>レベル</a:t>
             </a:r>
           </a:p>
           <a:p>
             <a:pPr lvl="2"/>
             <a:r>
-              <a:rPr kumimoji="1" lang="ja-JP" altLang="en-US" smtClean="0"/>
+              <a:rPr kumimoji="1" lang="ja-JP" altLang="en-US"/>
               <a:t>第 </a:t>
             </a:r>
             <a:r>
-              <a:rPr kumimoji="1" lang="en-US" altLang="ja-JP" smtClean="0"/>
+              <a:rPr kumimoji="1" lang="en-US" altLang="ja-JP"/>
               <a:t>3 </a:t>
             </a:r>
             <a:r>
-              <a:rPr kumimoji="1" lang="ja-JP" altLang="en-US" smtClean="0"/>
+              <a:rPr kumimoji="1" lang="ja-JP" altLang="en-US"/>
               <a:t>レベル</a:t>
             </a:r>
           </a:p>
           <a:p>
             <a:pPr lvl="3"/>
             <a:r>
-              <a:rPr kumimoji="1" lang="ja-JP" altLang="en-US" smtClean="0"/>
+              <a:rPr kumimoji="1" lang="ja-JP" altLang="en-US"/>
               <a:t>第 </a:t>
             </a:r>
             <a:r>
-              <a:rPr kumimoji="1" lang="en-US" altLang="ja-JP" smtClean="0"/>
+              <a:rPr kumimoji="1" lang="en-US" altLang="ja-JP"/>
               <a:t>4 </a:t>
             </a:r>
             <a:r>
-              <a:rPr kumimoji="1" lang="ja-JP" altLang="en-US" smtClean="0"/>
+              <a:rPr kumimoji="1" lang="ja-JP" altLang="en-US"/>
               <a:t>レベル</a:t>
             </a:r>
           </a:p>
           <a:p>
             <a:pPr lvl="4"/>
             <a:r>
-              <a:rPr kumimoji="1" lang="ja-JP" altLang="en-US" smtClean="0"/>
+              <a:rPr kumimoji="1" lang="ja-JP" altLang="en-US"/>
               <a:t>第 </a:t>
             </a:r>
             <a:r>
-              <a:rPr kumimoji="1" lang="en-US" altLang="ja-JP" smtClean="0"/>
+              <a:rPr kumimoji="1" lang="en-US" altLang="ja-JP"/>
               <a:t>5 </a:t>
             </a:r>
             <a:r>
-              <a:rPr kumimoji="1" lang="ja-JP" altLang="en-US" smtClean="0"/>
+              <a:rPr kumimoji="1" lang="ja-JP" altLang="en-US"/>
               <a:t>レベル</a:t>
             </a:r>
-            <a:endParaRPr kumimoji="1" lang="ja-JP" altLang="en-US"/>
           </a:p>
         </p:txBody>
       </p:sp>
@@ -2850,7 +2834,7 @@
           <a:p>
             <a:fld id="{C6B3D575-2242-4E39-83F3-B90629F13CE2}" type="datetimeFigureOut">
               <a:rPr kumimoji="1" lang="ja-JP" altLang="en-US" smtClean="0"/>
-              <a:t>2023/5/22</a:t>
+              <a:t>2023/5/23</a:t>
             </a:fld>
             <a:endParaRPr kumimoji="1" lang="ja-JP" altLang="en-US"/>
           </a:p>
@@ -3879,7 +3863,7 @@
         </p:blipFill>
         <p:spPr>
           <a:xfrm>
-            <a:off x="562708" y="3378471"/>
+            <a:off x="1585547" y="3317009"/>
             <a:ext cx="670618" cy="664522"/>
           </a:xfrm>
           <a:prstGeom prst="rect">
@@ -3903,7 +3887,7 @@
         </p:blipFill>
         <p:spPr>
           <a:xfrm>
-            <a:off x="11009699" y="3508130"/>
+            <a:off x="10114153" y="3508129"/>
             <a:ext cx="670618" cy="664522"/>
           </a:xfrm>
           <a:prstGeom prst="rect">
@@ -3951,7 +3935,7 @@
         </p:blipFill>
         <p:spPr>
           <a:xfrm>
-            <a:off x="9927311" y="5313504"/>
+            <a:off x="8896559" y="5400721"/>
             <a:ext cx="670618" cy="664522"/>
           </a:xfrm>
           <a:prstGeom prst="rect">
@@ -4117,7 +4101,7 @@
         </p:blipFill>
         <p:spPr>
           <a:xfrm>
-            <a:off x="9823670" y="3477647"/>
+            <a:off x="8885823" y="3477647"/>
             <a:ext cx="774259" cy="725487"/>
           </a:xfrm>
           <a:prstGeom prst="rect">
@@ -4133,7 +4117,7 @@
         </p:nvSpPr>
         <p:spPr>
           <a:xfrm>
-            <a:off x="2919047" y="3285598"/>
+            <a:off x="3655798" y="3285598"/>
             <a:ext cx="668215" cy="650631"/>
           </a:xfrm>
           <a:prstGeom prst="rect">
@@ -4431,20 +4415,22 @@
       </p:pic>
       <p:sp>
         <p:nvSpPr>
-          <p:cNvPr id="6" name="正方形/長方形 5"/>
+          <p:cNvPr id="7" name="正方形/長方形 6"/>
           <p:cNvSpPr/>
           <p:nvPr/>
         </p:nvSpPr>
         <p:spPr>
           <a:xfrm>
-            <a:off x="1688123" y="1671641"/>
-            <a:ext cx="764932" cy="712177"/>
+            <a:off x="562708" y="1733187"/>
+            <a:ext cx="659423" cy="650631"/>
           </a:xfrm>
           <a:prstGeom prst="rect">
             <a:avLst/>
           </a:prstGeom>
           <a:solidFill>
-            <a:srgbClr val="FF0000"/>
+            <a:schemeClr val="accent6">
+              <a:lumMod val="75000"/>
+            </a:schemeClr>
           </a:solidFill>
         </p:spPr>
         <p:style>
@@ -4472,23 +4458,144 @@
           </a:p>
         </p:txBody>
       </p:sp>
-      <p:sp>
-        <p:nvSpPr>
-          <p:cNvPr id="7" name="正方形/長方形 6"/>
+      <p:pic>
+        <p:nvPicPr>
+          <p:cNvPr id="8" name="図 7"/>
+          <p:cNvPicPr>
+            <a:picLocks noChangeAspect="1"/>
+          </p:cNvPicPr>
+          <p:nvPr/>
+        </p:nvPicPr>
+        <p:blipFill>
+          <a:blip r:embed="rId3"/>
+          <a:stretch>
+            <a:fillRect/>
+          </a:stretch>
+        </p:blipFill>
+        <p:spPr>
+          <a:xfrm>
+            <a:off x="11009699" y="1671641"/>
+            <a:ext cx="670618" cy="664522"/>
+          </a:xfrm>
+          <a:prstGeom prst="rect">
+            <a:avLst/>
+          </a:prstGeom>
+        </p:spPr>
+      </p:pic>
+      <p:pic>
+        <p:nvPicPr>
+          <p:cNvPr id="9" name="図 8"/>
+          <p:cNvPicPr>
+            <a:picLocks noChangeAspect="1"/>
+          </p:cNvPicPr>
+          <p:nvPr/>
+        </p:nvPicPr>
+        <p:blipFill>
+          <a:blip r:embed="rId3"/>
+          <a:stretch>
+            <a:fillRect/>
+          </a:stretch>
+        </p:blipFill>
+        <p:spPr>
+          <a:xfrm>
+            <a:off x="1764851" y="3397222"/>
+            <a:ext cx="670618" cy="664522"/>
+          </a:xfrm>
+          <a:prstGeom prst="rect">
+            <a:avLst/>
+          </a:prstGeom>
+        </p:spPr>
+      </p:pic>
+      <p:pic>
+        <p:nvPicPr>
+          <p:cNvPr id="10" name="図 9"/>
+          <p:cNvPicPr>
+            <a:picLocks noChangeAspect="1"/>
+          </p:cNvPicPr>
+          <p:nvPr/>
+        </p:nvPicPr>
+        <p:blipFill>
+          <a:blip r:embed="rId3"/>
+          <a:stretch>
+            <a:fillRect/>
+          </a:stretch>
+        </p:blipFill>
+        <p:spPr>
+          <a:xfrm>
+            <a:off x="9954206" y="3516952"/>
+            <a:ext cx="670618" cy="664522"/>
+          </a:xfrm>
+          <a:prstGeom prst="rect">
+            <a:avLst/>
+          </a:prstGeom>
+        </p:spPr>
+      </p:pic>
+      <p:pic>
+        <p:nvPicPr>
+          <p:cNvPr id="11" name="図 10"/>
+          <p:cNvPicPr>
+            <a:picLocks noChangeAspect="1"/>
+          </p:cNvPicPr>
+          <p:nvPr/>
+        </p:nvPicPr>
+        <p:blipFill>
+          <a:blip r:embed="rId3"/>
+          <a:stretch>
+            <a:fillRect/>
+          </a:stretch>
+        </p:blipFill>
+        <p:spPr>
+          <a:xfrm>
+            <a:off x="562708" y="5146450"/>
+            <a:ext cx="670618" cy="664522"/>
+          </a:xfrm>
+          <a:prstGeom prst="rect">
+            <a:avLst/>
+          </a:prstGeom>
+        </p:spPr>
+      </p:pic>
+      <p:pic>
+        <p:nvPicPr>
+          <p:cNvPr id="12" name="図 11"/>
+          <p:cNvPicPr>
+            <a:picLocks noChangeAspect="1"/>
+          </p:cNvPicPr>
+          <p:nvPr/>
+        </p:nvPicPr>
+        <p:blipFill>
+          <a:blip r:embed="rId3"/>
+          <a:stretch>
+            <a:fillRect/>
+          </a:stretch>
+        </p:blipFill>
+        <p:spPr>
+          <a:xfrm>
+            <a:off x="9029107" y="5262409"/>
+            <a:ext cx="670618" cy="664522"/>
+          </a:xfrm>
+          <a:prstGeom prst="rect">
+            <a:avLst/>
+          </a:prstGeom>
+        </p:spPr>
+      </p:pic>
+      <p:sp>
+        <p:nvSpPr>
+          <p:cNvPr id="13" name="正方形/長方形 12"/>
           <p:cNvSpPr/>
           <p:nvPr/>
         </p:nvSpPr>
         <p:spPr>
           <a:xfrm>
-            <a:off x="562708" y="1733187"/>
-            <a:ext cx="659423" cy="650631"/>
+            <a:off x="2919047" y="1762863"/>
+            <a:ext cx="668215" cy="650631"/>
           </a:xfrm>
           <a:prstGeom prst="rect">
             <a:avLst/>
           </a:prstGeom>
           <a:solidFill>
-            <a:schemeClr val="accent6">
-              <a:lumMod val="75000"/>
+            <a:schemeClr val="accent4">
+              <a:lumMod val="60000"/>
+              <a:lumOff val="40000"/>
             </a:schemeClr>
           </a:solidFill>
         </p:spPr>
@@ -4519,22 +4626,22 @@
       </p:sp>
       <p:pic>
         <p:nvPicPr>
-          <p:cNvPr id="8" name="図 7"/>
+          <p:cNvPr id="14" name="図 13"/>
           <p:cNvPicPr>
             <a:picLocks noChangeAspect="1"/>
           </p:cNvPicPr>
           <p:nvPr/>
         </p:nvPicPr>
         <p:blipFill>
-          <a:blip r:embed="rId3"/>
+          <a:blip r:embed="rId4"/>
           <a:stretch>
             <a:fillRect/>
           </a:stretch>
         </p:blipFill>
         <p:spPr>
           <a:xfrm>
-            <a:off x="11009699" y="1671641"/>
-            <a:ext cx="670618" cy="664522"/>
+            <a:off x="7935579" y="2649813"/>
+            <a:ext cx="773723" cy="1670141"/>
           </a:xfrm>
           <a:prstGeom prst="rect">
             <a:avLst/>
@@ -4543,22 +4650,22 @@
       </p:pic>
       <p:pic>
         <p:nvPicPr>
-          <p:cNvPr id="9" name="図 8"/>
+          <p:cNvPr id="15" name="図 14"/>
           <p:cNvPicPr>
             <a:picLocks noChangeAspect="1"/>
           </p:cNvPicPr>
           <p:nvPr/>
         </p:nvPicPr>
         <p:blipFill>
-          <a:blip r:embed="rId3"/>
+          <a:blip r:embed="rId5"/>
           <a:stretch>
             <a:fillRect/>
           </a:stretch>
         </p:blipFill>
         <p:spPr>
           <a:xfrm>
-            <a:off x="562708" y="3378471"/>
-            <a:ext cx="670618" cy="664522"/>
+            <a:off x="562708" y="26376"/>
+            <a:ext cx="676715" cy="664522"/>
           </a:xfrm>
           <a:prstGeom prst="rect">
             <a:avLst/>
@@ -4567,22 +4674,22 @@
       </p:pic>
       <p:pic>
         <p:nvPicPr>
-          <p:cNvPr id="10" name="図 9"/>
+          <p:cNvPr id="16" name="図 15"/>
           <p:cNvPicPr>
             <a:picLocks noChangeAspect="1"/>
           </p:cNvPicPr>
           <p:nvPr/>
         </p:nvPicPr>
         <p:blipFill>
-          <a:blip r:embed="rId3"/>
+          <a:blip r:embed="rId6"/>
           <a:stretch>
             <a:fillRect/>
           </a:stretch>
         </p:blipFill>
         <p:spPr>
           <a:xfrm>
-            <a:off x="11009699" y="3508130"/>
-            <a:ext cx="670618" cy="664522"/>
+            <a:off x="7617761" y="6065243"/>
+            <a:ext cx="4163929" cy="493819"/>
           </a:xfrm>
           <a:prstGeom prst="rect">
             <a:avLst/>
@@ -4591,22 +4698,22 @@
       </p:pic>
       <p:pic>
         <p:nvPicPr>
-          <p:cNvPr id="11" name="図 10"/>
+          <p:cNvPr id="17" name="図 16"/>
           <p:cNvPicPr>
             <a:picLocks noChangeAspect="1"/>
           </p:cNvPicPr>
           <p:nvPr/>
         </p:nvPicPr>
         <p:blipFill>
-          <a:blip r:embed="rId3"/>
+          <a:blip r:embed="rId5"/>
           <a:stretch>
             <a:fillRect/>
           </a:stretch>
         </p:blipFill>
         <p:spPr>
           <a:xfrm>
-            <a:off x="562708" y="5146450"/>
-            <a:ext cx="670618" cy="664522"/>
+            <a:off x="5783155" y="5146450"/>
+            <a:ext cx="676715" cy="664522"/>
           </a:xfrm>
           <a:prstGeom prst="rect">
             <a:avLst/>
@@ -4615,22 +4722,22 @@
       </p:pic>
       <p:pic>
         <p:nvPicPr>
-          <p:cNvPr id="12" name="図 11"/>
+          <p:cNvPr id="18" name="図 17"/>
           <p:cNvPicPr>
             <a:picLocks noChangeAspect="1"/>
           </p:cNvPicPr>
           <p:nvPr/>
         </p:nvPicPr>
         <p:blipFill>
-          <a:blip r:embed="rId3"/>
+          <a:blip r:embed="rId7"/>
           <a:stretch>
             <a:fillRect/>
           </a:stretch>
         </p:blipFill>
         <p:spPr>
           <a:xfrm>
-            <a:off x="10112884" y="5225581"/>
-            <a:ext cx="670618" cy="664522"/>
+            <a:off x="6072740" y="2410868"/>
+            <a:ext cx="774259" cy="725487"/>
           </a:xfrm>
           <a:prstGeom prst="rect">
             <a:avLst/>
@@ -4639,13 +4746,13 @@
       </p:pic>
       <p:sp>
         <p:nvSpPr>
-          <p:cNvPr id="13" name="正方形/長方形 12"/>
+          <p:cNvPr id="19" name="正方形/長方形 18"/>
           <p:cNvSpPr/>
           <p:nvPr/>
         </p:nvSpPr>
         <p:spPr>
           <a:xfrm>
-            <a:off x="2919047" y="1762863"/>
+            <a:off x="3654338" y="3415475"/>
             <a:ext cx="668215" cy="650631"/>
           </a:xfrm>
           <a:prstGeom prst="rect">
@@ -4683,135 +4790,15 @@
           </a:p>
         </p:txBody>
       </p:sp>
-      <p:pic>
-        <p:nvPicPr>
-          <p:cNvPr id="14" name="図 13"/>
-          <p:cNvPicPr>
-            <a:picLocks noChangeAspect="1"/>
-          </p:cNvPicPr>
-          <p:nvPr/>
-        </p:nvPicPr>
-        <p:blipFill>
-          <a:blip r:embed="rId4"/>
-          <a:stretch>
-            <a:fillRect/>
-          </a:stretch>
-        </p:blipFill>
-        <p:spPr>
-          <a:xfrm>
-            <a:off x="8926002" y="2673059"/>
-            <a:ext cx="773723" cy="1670141"/>
-          </a:xfrm>
-          <a:prstGeom prst="rect">
-            <a:avLst/>
-          </a:prstGeom>
-        </p:spPr>
-      </p:pic>
-      <p:pic>
-        <p:nvPicPr>
-          <p:cNvPr id="15" name="図 14"/>
-          <p:cNvPicPr>
-            <a:picLocks noChangeAspect="1"/>
-          </p:cNvPicPr>
-          <p:nvPr/>
-        </p:nvPicPr>
-        <p:blipFill>
-          <a:blip r:embed="rId5"/>
-          <a:stretch>
-            <a:fillRect/>
-          </a:stretch>
-        </p:blipFill>
-        <p:spPr>
-          <a:xfrm>
-            <a:off x="562708" y="26376"/>
-            <a:ext cx="676715" cy="664522"/>
-          </a:xfrm>
-          <a:prstGeom prst="rect">
-            <a:avLst/>
-          </a:prstGeom>
-        </p:spPr>
-      </p:pic>
-      <p:pic>
-        <p:nvPicPr>
-          <p:cNvPr id="16" name="図 15"/>
-          <p:cNvPicPr>
-            <a:picLocks noChangeAspect="1"/>
-          </p:cNvPicPr>
-          <p:nvPr/>
-        </p:nvPicPr>
-        <p:blipFill>
-          <a:blip r:embed="rId6"/>
-          <a:stretch>
-            <a:fillRect/>
-          </a:stretch>
-        </p:blipFill>
-        <p:spPr>
-          <a:xfrm>
-            <a:off x="7617761" y="6065243"/>
-            <a:ext cx="4163929" cy="493819"/>
-          </a:xfrm>
-          <a:prstGeom prst="rect">
-            <a:avLst/>
-          </a:prstGeom>
-        </p:spPr>
-      </p:pic>
-      <p:pic>
-        <p:nvPicPr>
-          <p:cNvPr id="17" name="図 16"/>
-          <p:cNvPicPr>
-            <a:picLocks noChangeAspect="1"/>
-          </p:cNvPicPr>
-          <p:nvPr/>
-        </p:nvPicPr>
-        <p:blipFill>
-          <a:blip r:embed="rId5"/>
-          <a:stretch>
-            <a:fillRect/>
-          </a:stretch>
-        </p:blipFill>
-        <p:spPr>
-          <a:xfrm>
-            <a:off x="5783155" y="5146450"/>
-            <a:ext cx="676715" cy="664522"/>
-          </a:xfrm>
-          <a:prstGeom prst="rect">
-            <a:avLst/>
-          </a:prstGeom>
-        </p:spPr>
-      </p:pic>
-      <p:pic>
-        <p:nvPicPr>
-          <p:cNvPr id="18" name="図 17"/>
-          <p:cNvPicPr>
-            <a:picLocks noChangeAspect="1"/>
-          </p:cNvPicPr>
-          <p:nvPr/>
-        </p:nvPicPr>
-        <p:blipFill>
-          <a:blip r:embed="rId7"/>
-          <a:stretch>
-            <a:fillRect/>
-          </a:stretch>
-        </p:blipFill>
-        <p:spPr>
-          <a:xfrm>
-            <a:off x="5676016" y="2436140"/>
-            <a:ext cx="774259" cy="725487"/>
-          </a:xfrm>
-          <a:prstGeom prst="rect">
-            <a:avLst/>
-          </a:prstGeom>
-        </p:spPr>
-      </p:pic>
-      <p:sp>
-        <p:nvSpPr>
-          <p:cNvPr id="19" name="正方形/長方形 18"/>
+      <p:sp>
+        <p:nvSpPr>
+          <p:cNvPr id="20" name="正方形/長方形 19"/>
           <p:cNvSpPr/>
           <p:nvPr/>
         </p:nvSpPr>
         <p:spPr>
           <a:xfrm>
-            <a:off x="2919047" y="3422375"/>
+            <a:off x="1559170" y="26376"/>
             <a:ext cx="668215" cy="650631"/>
           </a:xfrm>
           <a:prstGeom prst="rect">
@@ -4851,13 +4838,13 @@
       </p:sp>
       <p:sp>
         <p:nvSpPr>
-          <p:cNvPr id="20" name="正方形/長方形 19"/>
+          <p:cNvPr id="21" name="正方形/長方形 20"/>
           <p:cNvSpPr/>
           <p:nvPr/>
         </p:nvSpPr>
         <p:spPr>
           <a:xfrm>
-            <a:off x="1559170" y="26376"/>
+            <a:off x="2631832" y="22909"/>
             <a:ext cx="668215" cy="650631"/>
           </a:xfrm>
           <a:prstGeom prst="rect">
@@ -4895,52 +4882,36 @@
           </a:p>
         </p:txBody>
       </p:sp>
-      <p:sp>
-        <p:nvSpPr>
-          <p:cNvPr id="21" name="正方形/長方形 20"/>
-          <p:cNvSpPr/>
-          <p:nvPr/>
-        </p:nvSpPr>
-        <p:spPr>
-          <a:xfrm>
-            <a:off x="2631832" y="22909"/>
-            <a:ext cx="668215" cy="650631"/>
-          </a:xfrm>
-          <a:prstGeom prst="rect">
-            <a:avLst/>
-          </a:prstGeom>
-          <a:solidFill>
-            <a:schemeClr val="accent4">
-              <a:lumMod val="60000"/>
-              <a:lumOff val="40000"/>
-            </a:schemeClr>
-          </a:solidFill>
-        </p:spPr>
-        <p:style>
-          <a:lnRef idx="2">
-            <a:schemeClr val="accent1">
-              <a:shade val="50000"/>
-            </a:schemeClr>
-          </a:lnRef>
-          <a:fillRef idx="1">
-            <a:schemeClr val="accent1"/>
-          </a:fillRef>
-          <a:effectRef idx="0">
-            <a:schemeClr val="accent1"/>
-          </a:effectRef>
-          <a:fontRef idx="minor">
-            <a:schemeClr val="lt1"/>
-          </a:fontRef>
-        </p:style>
-        <p:txBody>
-          <a:bodyPr rtlCol="0" anchor="ctr"/>
-          <a:lstStyle/>
-          <a:p>
-            <a:pPr algn="ctr"/>
-            <a:endParaRPr kumimoji="1" lang="ja-JP" altLang="en-US"/>
-          </a:p>
-        </p:txBody>
-      </p:sp>
+      <p:pic>
+        <p:nvPicPr>
+          <p:cNvPr id="22" name="図 21">
+            <a:extLst>
+              <a:ext uri="{FF2B5EF4-FFF2-40B4-BE49-F238E27FC236}">
+                <a16:creationId xmlns:a16="http://schemas.microsoft.com/office/drawing/2014/main" id="{00F3FF4C-FA4E-9AA3-53A6-5BFF8EEB484A}"/>
+              </a:ext>
+            </a:extLst>
+          </p:cNvPr>
+          <p:cNvPicPr>
+            <a:picLocks noChangeAspect="1"/>
+          </p:cNvPicPr>
+          <p:nvPr/>
+        </p:nvPicPr>
+        <p:blipFill>
+          <a:blip r:embed="rId8"/>
+          <a:stretch>
+            <a:fillRect/>
+          </a:stretch>
+        </p:blipFill>
+        <p:spPr>
+          <a:xfrm>
+            <a:off x="1612272" y="1115246"/>
+            <a:ext cx="774259" cy="1670449"/>
+          </a:xfrm>
+          <a:prstGeom prst="rect">
+            <a:avLst/>
+          </a:prstGeom>
+        </p:spPr>
+      </p:pic>
     </p:spTree>
     <p:extLst>
       <p:ext uri="{BB962C8B-B14F-4D97-AF65-F5344CB8AC3E}">
@@ -5061,20 +5032,22 @@
       </p:pic>
       <p:sp>
         <p:nvSpPr>
-          <p:cNvPr id="6" name="正方形/長方形 5"/>
+          <p:cNvPr id="7" name="正方形/長方形 6"/>
           <p:cNvSpPr/>
           <p:nvPr/>
         </p:nvSpPr>
         <p:spPr>
           <a:xfrm>
-            <a:off x="9838592" y="3469296"/>
-            <a:ext cx="764932" cy="712177"/>
+            <a:off x="562708" y="1733187"/>
+            <a:ext cx="659423" cy="650631"/>
           </a:xfrm>
           <a:prstGeom prst="rect">
             <a:avLst/>
           </a:prstGeom>
           <a:solidFill>
-            <a:srgbClr val="FF0000"/>
+            <a:schemeClr val="accent6">
+              <a:lumMod val="75000"/>
+            </a:schemeClr>
           </a:solidFill>
         </p:spPr>
         <p:style>
@@ -5102,23 +5075,144 @@
           </a:p>
         </p:txBody>
       </p:sp>
-      <p:sp>
-        <p:nvSpPr>
-          <p:cNvPr id="7" name="正方形/長方形 6"/>
+      <p:pic>
+        <p:nvPicPr>
+          <p:cNvPr id="8" name="図 7"/>
+          <p:cNvPicPr>
+            <a:picLocks noChangeAspect="1"/>
+          </p:cNvPicPr>
+          <p:nvPr/>
+        </p:nvPicPr>
+        <p:blipFill>
+          <a:blip r:embed="rId3"/>
+          <a:stretch>
+            <a:fillRect/>
+          </a:stretch>
+        </p:blipFill>
+        <p:spPr>
+          <a:xfrm>
+            <a:off x="11009699" y="1671641"/>
+            <a:ext cx="670618" cy="664522"/>
+          </a:xfrm>
+          <a:prstGeom prst="rect">
+            <a:avLst/>
+          </a:prstGeom>
+        </p:spPr>
+      </p:pic>
+      <p:pic>
+        <p:nvPicPr>
+          <p:cNvPr id="9" name="図 8"/>
+          <p:cNvPicPr>
+            <a:picLocks noChangeAspect="1"/>
+          </p:cNvPicPr>
+          <p:nvPr/>
+        </p:nvPicPr>
+        <p:blipFill>
+          <a:blip r:embed="rId3"/>
+          <a:stretch>
+            <a:fillRect/>
+          </a:stretch>
+        </p:blipFill>
+        <p:spPr>
+          <a:xfrm>
+            <a:off x="1709053" y="3338813"/>
+            <a:ext cx="670618" cy="664522"/>
+          </a:xfrm>
+          <a:prstGeom prst="rect">
+            <a:avLst/>
+          </a:prstGeom>
+        </p:spPr>
+      </p:pic>
+      <p:pic>
+        <p:nvPicPr>
+          <p:cNvPr id="10" name="図 9"/>
+          <p:cNvPicPr>
+            <a:picLocks noChangeAspect="1"/>
+          </p:cNvPicPr>
+          <p:nvPr/>
+        </p:nvPicPr>
+        <p:blipFill>
+          <a:blip r:embed="rId3"/>
+          <a:stretch>
+            <a:fillRect/>
+          </a:stretch>
+        </p:blipFill>
+        <p:spPr>
+          <a:xfrm>
+            <a:off x="10142433" y="3487253"/>
+            <a:ext cx="670618" cy="664522"/>
+          </a:xfrm>
+          <a:prstGeom prst="rect">
+            <a:avLst/>
+          </a:prstGeom>
+        </p:spPr>
+      </p:pic>
+      <p:pic>
+        <p:nvPicPr>
+          <p:cNvPr id="11" name="図 10"/>
+          <p:cNvPicPr>
+            <a:picLocks noChangeAspect="1"/>
+          </p:cNvPicPr>
+          <p:nvPr/>
+        </p:nvPicPr>
+        <p:blipFill>
+          <a:blip r:embed="rId3"/>
+          <a:stretch>
+            <a:fillRect/>
+          </a:stretch>
+        </p:blipFill>
+        <p:spPr>
+          <a:xfrm>
+            <a:off x="562708" y="5146450"/>
+            <a:ext cx="670618" cy="664522"/>
+          </a:xfrm>
+          <a:prstGeom prst="rect">
+            <a:avLst/>
+          </a:prstGeom>
+        </p:spPr>
+      </p:pic>
+      <p:pic>
+        <p:nvPicPr>
+          <p:cNvPr id="12" name="図 11"/>
+          <p:cNvPicPr>
+            <a:picLocks noChangeAspect="1"/>
+          </p:cNvPicPr>
+          <p:nvPr/>
+        </p:nvPicPr>
+        <p:blipFill>
+          <a:blip r:embed="rId3"/>
+          <a:stretch>
+            <a:fillRect/>
+          </a:stretch>
+        </p:blipFill>
+        <p:spPr>
+          <a:xfrm>
+            <a:off x="9047397" y="5304068"/>
+            <a:ext cx="670618" cy="664522"/>
+          </a:xfrm>
+          <a:prstGeom prst="rect">
+            <a:avLst/>
+          </a:prstGeom>
+        </p:spPr>
+      </p:pic>
+      <p:sp>
+        <p:nvSpPr>
+          <p:cNvPr id="13" name="正方形/長方形 12"/>
           <p:cNvSpPr/>
           <p:nvPr/>
         </p:nvSpPr>
         <p:spPr>
           <a:xfrm>
-            <a:off x="562708" y="1733187"/>
-            <a:ext cx="659423" cy="650631"/>
+            <a:off x="2919047" y="1762863"/>
+            <a:ext cx="668215" cy="650631"/>
           </a:xfrm>
           <a:prstGeom prst="rect">
             <a:avLst/>
           </a:prstGeom>
           <a:solidFill>
-            <a:schemeClr val="accent6">
-              <a:lumMod val="75000"/>
+            <a:schemeClr val="accent4">
+              <a:lumMod val="60000"/>
+              <a:lumOff val="40000"/>
             </a:schemeClr>
           </a:solidFill>
         </p:spPr>
@@ -5149,22 +5243,22 @@
       </p:sp>
       <p:pic>
         <p:nvPicPr>
-          <p:cNvPr id="8" name="図 7"/>
+          <p:cNvPr id="14" name="図 13"/>
           <p:cNvPicPr>
             <a:picLocks noChangeAspect="1"/>
           </p:cNvPicPr>
           <p:nvPr/>
         </p:nvPicPr>
         <p:blipFill>
-          <a:blip r:embed="rId3"/>
+          <a:blip r:embed="rId4"/>
           <a:stretch>
             <a:fillRect/>
           </a:stretch>
         </p:blipFill>
         <p:spPr>
           <a:xfrm>
-            <a:off x="11009699" y="1671641"/>
-            <a:ext cx="670618" cy="664522"/>
+            <a:off x="6983722" y="2551975"/>
+            <a:ext cx="4797968" cy="493819"/>
           </a:xfrm>
           <a:prstGeom prst="rect">
             <a:avLst/>
@@ -5173,22 +5267,22 @@
       </p:pic>
       <p:pic>
         <p:nvPicPr>
-          <p:cNvPr id="9" name="図 8"/>
+          <p:cNvPr id="15" name="図 14"/>
           <p:cNvPicPr>
             <a:picLocks noChangeAspect="1"/>
           </p:cNvPicPr>
           <p:nvPr/>
         </p:nvPicPr>
         <p:blipFill>
-          <a:blip r:embed="rId3"/>
+          <a:blip r:embed="rId5"/>
           <a:stretch>
             <a:fillRect/>
           </a:stretch>
         </p:blipFill>
         <p:spPr>
           <a:xfrm>
-            <a:off x="562708" y="3378471"/>
-            <a:ext cx="670618" cy="664522"/>
+            <a:off x="562708" y="26376"/>
+            <a:ext cx="676715" cy="664522"/>
           </a:xfrm>
           <a:prstGeom prst="rect">
             <a:avLst/>
@@ -5197,22 +5291,22 @@
       </p:pic>
       <p:pic>
         <p:nvPicPr>
-          <p:cNvPr id="10" name="図 9"/>
+          <p:cNvPr id="16" name="図 15"/>
           <p:cNvPicPr>
             <a:picLocks noChangeAspect="1"/>
           </p:cNvPicPr>
           <p:nvPr/>
         </p:nvPicPr>
         <p:blipFill>
-          <a:blip r:embed="rId3"/>
+          <a:blip r:embed="rId6"/>
           <a:stretch>
             <a:fillRect/>
           </a:stretch>
         </p:blipFill>
         <p:spPr>
           <a:xfrm>
-            <a:off x="11009699" y="3508130"/>
-            <a:ext cx="670618" cy="664522"/>
+            <a:off x="5783155" y="6065243"/>
+            <a:ext cx="5998535" cy="493819"/>
           </a:xfrm>
           <a:prstGeom prst="rect">
             <a:avLst/>
@@ -5221,61 +5315,37 @@
       </p:pic>
       <p:pic>
         <p:nvPicPr>
-          <p:cNvPr id="11" name="図 10"/>
+          <p:cNvPr id="17" name="図 16"/>
           <p:cNvPicPr>
             <a:picLocks noChangeAspect="1"/>
           </p:cNvPicPr>
           <p:nvPr/>
         </p:nvPicPr>
         <p:blipFill>
-          <a:blip r:embed="rId3"/>
+          <a:blip r:embed="rId5"/>
           <a:stretch>
             <a:fillRect/>
           </a:stretch>
         </p:blipFill>
         <p:spPr>
           <a:xfrm>
-            <a:off x="562708" y="5146450"/>
-            <a:ext cx="670618" cy="664522"/>
+            <a:off x="5783155" y="5146450"/>
+            <a:ext cx="676715" cy="664522"/>
           </a:xfrm>
           <a:prstGeom prst="rect">
             <a:avLst/>
           </a:prstGeom>
         </p:spPr>
       </p:pic>
-      <p:pic>
-        <p:nvPicPr>
-          <p:cNvPr id="12" name="図 11"/>
-          <p:cNvPicPr>
-            <a:picLocks noChangeAspect="1"/>
-          </p:cNvPicPr>
-          <p:nvPr/>
-        </p:nvPicPr>
-        <p:blipFill>
-          <a:blip r:embed="rId3"/>
-          <a:stretch>
-            <a:fillRect/>
-          </a:stretch>
-        </p:blipFill>
-        <p:spPr>
-          <a:xfrm>
-            <a:off x="10095299" y="5207415"/>
-            <a:ext cx="670618" cy="664522"/>
-          </a:xfrm>
-          <a:prstGeom prst="rect">
-            <a:avLst/>
-          </a:prstGeom>
-        </p:spPr>
-      </p:pic>
-      <p:sp>
-        <p:nvSpPr>
-          <p:cNvPr id="13" name="正方形/長方形 12"/>
+      <p:sp>
+        <p:nvSpPr>
+          <p:cNvPr id="19" name="正方形/長方形 18"/>
           <p:cNvSpPr/>
           <p:nvPr/>
         </p:nvSpPr>
         <p:spPr>
           <a:xfrm>
-            <a:off x="2919047" y="1762863"/>
+            <a:off x="3997062" y="3487253"/>
             <a:ext cx="668215" cy="650631"/>
           </a:xfrm>
           <a:prstGeom prst="rect">
@@ -5313,111 +5383,15 @@
           </a:p>
         </p:txBody>
       </p:sp>
-      <p:pic>
-        <p:nvPicPr>
-          <p:cNvPr id="14" name="図 13"/>
-          <p:cNvPicPr>
-            <a:picLocks noChangeAspect="1"/>
-          </p:cNvPicPr>
-          <p:nvPr/>
-        </p:nvPicPr>
-        <p:blipFill>
-          <a:blip r:embed="rId4"/>
-          <a:stretch>
-            <a:fillRect/>
-          </a:stretch>
-        </p:blipFill>
-        <p:spPr>
-          <a:xfrm>
-            <a:off x="6983722" y="2551975"/>
-            <a:ext cx="4797968" cy="493819"/>
-          </a:xfrm>
-          <a:prstGeom prst="rect">
-            <a:avLst/>
-          </a:prstGeom>
-        </p:spPr>
-      </p:pic>
-      <p:pic>
-        <p:nvPicPr>
-          <p:cNvPr id="15" name="図 14"/>
-          <p:cNvPicPr>
-            <a:picLocks noChangeAspect="1"/>
-          </p:cNvPicPr>
-          <p:nvPr/>
-        </p:nvPicPr>
-        <p:blipFill>
-          <a:blip r:embed="rId5"/>
-          <a:stretch>
-            <a:fillRect/>
-          </a:stretch>
-        </p:blipFill>
-        <p:spPr>
-          <a:xfrm>
-            <a:off x="562708" y="26376"/>
-            <a:ext cx="676715" cy="664522"/>
-          </a:xfrm>
-          <a:prstGeom prst="rect">
-            <a:avLst/>
-          </a:prstGeom>
-        </p:spPr>
-      </p:pic>
-      <p:pic>
-        <p:nvPicPr>
-          <p:cNvPr id="16" name="図 15"/>
-          <p:cNvPicPr>
-            <a:picLocks noChangeAspect="1"/>
-          </p:cNvPicPr>
-          <p:nvPr/>
-        </p:nvPicPr>
-        <p:blipFill>
-          <a:blip r:embed="rId6"/>
-          <a:stretch>
-            <a:fillRect/>
-          </a:stretch>
-        </p:blipFill>
-        <p:spPr>
-          <a:xfrm>
-            <a:off x="5783155" y="6065243"/>
-            <a:ext cx="5998535" cy="493819"/>
-          </a:xfrm>
-          <a:prstGeom prst="rect">
-            <a:avLst/>
-          </a:prstGeom>
-        </p:spPr>
-      </p:pic>
-      <p:pic>
-        <p:nvPicPr>
-          <p:cNvPr id="17" name="図 16"/>
-          <p:cNvPicPr>
-            <a:picLocks noChangeAspect="1"/>
-          </p:cNvPicPr>
-          <p:nvPr/>
-        </p:nvPicPr>
-        <p:blipFill>
-          <a:blip r:embed="rId5"/>
-          <a:stretch>
-            <a:fillRect/>
-          </a:stretch>
-        </p:blipFill>
-        <p:spPr>
-          <a:xfrm>
-            <a:off x="5783155" y="5146450"/>
-            <a:ext cx="676715" cy="664522"/>
-          </a:xfrm>
-          <a:prstGeom prst="rect">
-            <a:avLst/>
-          </a:prstGeom>
-        </p:spPr>
-      </p:pic>
-      <p:sp>
-        <p:nvSpPr>
-          <p:cNvPr id="19" name="正方形/長方形 18"/>
+      <p:sp>
+        <p:nvSpPr>
+          <p:cNvPr id="20" name="正方形/長方形 19"/>
           <p:cNvSpPr/>
           <p:nvPr/>
         </p:nvSpPr>
         <p:spPr>
           <a:xfrm>
-            <a:off x="2919047" y="3422375"/>
+            <a:off x="1559170" y="26376"/>
             <a:ext cx="668215" cy="650631"/>
           </a:xfrm>
           <a:prstGeom prst="rect">
@@ -5457,13 +5431,13 @@
       </p:sp>
       <p:sp>
         <p:nvSpPr>
-          <p:cNvPr id="20" name="正方形/長方形 19"/>
+          <p:cNvPr id="21" name="正方形/長方形 20"/>
           <p:cNvSpPr/>
           <p:nvPr/>
         </p:nvSpPr>
         <p:spPr>
           <a:xfrm>
-            <a:off x="1559170" y="26376"/>
+            <a:off x="2631832" y="22909"/>
             <a:ext cx="668215" cy="650631"/>
           </a:xfrm>
           <a:prstGeom prst="rect">
@@ -5501,52 +5475,6 @@
           </a:p>
         </p:txBody>
       </p:sp>
-      <p:sp>
-        <p:nvSpPr>
-          <p:cNvPr id="21" name="正方形/長方形 20"/>
-          <p:cNvSpPr/>
-          <p:nvPr/>
-        </p:nvSpPr>
-        <p:spPr>
-          <a:xfrm>
-            <a:off x="2631832" y="22909"/>
-            <a:ext cx="668215" cy="650631"/>
-          </a:xfrm>
-          <a:prstGeom prst="rect">
-            <a:avLst/>
-          </a:prstGeom>
-          <a:solidFill>
-            <a:schemeClr val="accent4">
-              <a:lumMod val="60000"/>
-              <a:lumOff val="40000"/>
-            </a:schemeClr>
-          </a:solidFill>
-        </p:spPr>
-        <p:style>
-          <a:lnRef idx="2">
-            <a:schemeClr val="accent1">
-              <a:shade val="50000"/>
-            </a:schemeClr>
-          </a:lnRef>
-          <a:fillRef idx="1">
-            <a:schemeClr val="accent1"/>
-          </a:fillRef>
-          <a:effectRef idx="0">
-            <a:schemeClr val="accent1"/>
-          </a:effectRef>
-          <a:fontRef idx="minor">
-            <a:schemeClr val="lt1"/>
-          </a:fontRef>
-        </p:style>
-        <p:txBody>
-          <a:bodyPr rtlCol="0" anchor="ctr"/>
-          <a:lstStyle/>
-          <a:p>
-            <a:pPr algn="ctr"/>
-            <a:endParaRPr kumimoji="1" lang="ja-JP" altLang="en-US"/>
-          </a:p>
-        </p:txBody>
-      </p:sp>
       <p:pic>
         <p:nvPicPr>
           <p:cNvPr id="22" name="図 21"/>
@@ -5564,6 +5492,36 @@
         <p:spPr>
           <a:xfrm>
             <a:off x="6859382" y="5146450"/>
+            <a:ext cx="774259" cy="725487"/>
+          </a:xfrm>
+          <a:prstGeom prst="rect">
+            <a:avLst/>
+          </a:prstGeom>
+        </p:spPr>
+      </p:pic>
+      <p:pic>
+        <p:nvPicPr>
+          <p:cNvPr id="4" name="図 3">
+            <a:extLst>
+              <a:ext uri="{FF2B5EF4-FFF2-40B4-BE49-F238E27FC236}">
+                <a16:creationId xmlns:a16="http://schemas.microsoft.com/office/drawing/2014/main" id="{73582374-2F17-50E7-54C4-A1CE195C0C39}"/>
+              </a:ext>
+            </a:extLst>
+          </p:cNvPr>
+          <p:cNvPicPr>
+            <a:picLocks noChangeAspect="1"/>
+          </p:cNvPicPr>
+          <p:nvPr/>
+        </p:nvPicPr>
+        <p:blipFill>
+          <a:blip r:embed="rId8"/>
+          <a:stretch>
+            <a:fillRect/>
+          </a:stretch>
+        </p:blipFill>
+        <p:spPr>
+          <a:xfrm>
+            <a:off x="7196235" y="22909"/>
             <a:ext cx="774259" cy="725487"/>
           </a:xfrm>
           <a:prstGeom prst="rect">
